--- a/sa/文档/2019 软件体系结构（03）：工厂模式.pptx
+++ b/sa/文档/2019 软件体系结构（03）：工厂模式.pptx
@@ -5,17 +5,20 @@
     <p:sldMasterId id="2147483648" r:id="rId1"/>
   </p:sldMasterIdLst>
   <p:notesMasterIdLst>
-    <p:notesMasterId r:id="rId7"/>
+    <p:notesMasterId r:id="rId4"/>
   </p:notesMasterIdLst>
   <p:sldIdLst>
-    <p:sldId id="256" r:id="rId2"/>
-    <p:sldId id="257" r:id="rId3"/>
-    <p:sldId id="258" r:id="rId4"/>
-    <p:sldId id="259" r:id="rId5"/>
-    <p:sldId id="260" r:id="rId6"/>
+    <p:sldId id="256" r:id="rId3"/>
+    <p:sldId id="257" r:id="rId5"/>
+    <p:sldId id="258" r:id="rId6"/>
+    <p:sldId id="259" r:id="rId7"/>
+    <p:sldId id="261" r:id="rId8"/>
   </p:sldIdLst>
   <p:sldSz cx="12192000" cy="6858000"/>
   <p:notesSz cx="6858000" cy="9144000"/>
+  <p:custDataLst>
+    <p:tags r:id="rId12"/>
+  </p:custDataLst>
   <p:defaultTextStyle>
     <a:defPPr>
       <a:defRPr lang="zh-CN"/>
@@ -111,11 +114,6 @@
       </a:defRPr>
     </a:lvl9pPr>
   </p:defaultTextStyle>
-  <p:extLst>
-    <p:ext uri="{EFAFB233-063F-42B5-8137-9DF3F51BA10A}">
-      <p15:sldGuideLst xmlns:p15="http://schemas.microsoft.com/office/powerpoint/2012/main"/>
-    </p:ext>
-  </p:extLst>
 </p:presentation>
 </file>
 
@@ -201,7 +199,6 @@
           <a:p>
             <a:fld id="{7F25A8C7-CC1A-4A08-9B4B-31F43B054C7F}" type="datetimeFigureOut">
               <a:rPr lang="zh-CN" altLang="en-US" smtClean="0"/>
-              <a:t>2018/6/4 Monday</a:t>
             </a:fld>
             <a:endParaRPr lang="zh-CN" altLang="en-US"/>
           </a:p>
@@ -268,6 +265,7 @@
               <a:rPr lang="zh-CN" altLang="en-US"/>
               <a:t>单击此处编辑母版文本样式</a:t>
             </a:r>
+            <a:endParaRPr lang="zh-CN" altLang="en-US"/>
           </a:p>
           <a:p>
             <a:pPr lvl="1"/>
@@ -275,6 +273,7 @@
               <a:rPr lang="zh-CN" altLang="en-US"/>
               <a:t>第二级</a:t>
             </a:r>
+            <a:endParaRPr lang="zh-CN" altLang="en-US"/>
           </a:p>
           <a:p>
             <a:pPr lvl="2"/>
@@ -282,6 +281,7 @@
               <a:rPr lang="zh-CN" altLang="en-US"/>
               <a:t>第三级</a:t>
             </a:r>
+            <a:endParaRPr lang="zh-CN" altLang="en-US"/>
           </a:p>
           <a:p>
             <a:pPr lvl="3"/>
@@ -289,6 +289,7 @@
               <a:rPr lang="zh-CN" altLang="en-US"/>
               <a:t>第四级</a:t>
             </a:r>
+            <a:endParaRPr lang="zh-CN" altLang="en-US"/>
           </a:p>
           <a:p>
             <a:pPr lvl="4"/>
@@ -296,6 +297,7 @@
               <a:rPr lang="zh-CN" altLang="en-US"/>
               <a:t>第五级</a:t>
             </a:r>
+            <a:endParaRPr lang="zh-CN" altLang="en-US"/>
           </a:p>
         </p:txBody>
       </p:sp>
@@ -359,18 +361,12 @@
           <a:p>
             <a:fld id="{F9E1B693-632D-4080-9CF6-EA28B66DC801}" type="slidenum">
               <a:rPr lang="zh-CN" altLang="en-US" smtClean="0"/>
-              <a:t>‹#›</a:t>
             </a:fld>
             <a:endParaRPr lang="zh-CN" altLang="en-US"/>
           </a:p>
         </p:txBody>
       </p:sp>
     </p:spTree>
-    <p:extLst>
-      <p:ext uri="{BB962C8B-B14F-4D97-AF65-F5344CB8AC3E}">
-        <p14:creationId xmlns:p14="http://schemas.microsoft.com/office/powerpoint/2010/main" val="2390083373"/>
-      </p:ext>
-    </p:extLst>
   </p:cSld>
   <p:clrMap bg1="lt1" tx1="dk1" bg2="lt2" tx2="dk2" accent1="accent1" accent2="accent2" accent3="accent3" accent4="accent4" accent5="accent5" accent6="accent6" hlink="hlink" folHlink="folHlink"/>
   <p:notesStyle>
@@ -561,7 +557,6 @@
                 <a:latin typeface="Calibri" panose="020F0502020204030204" pitchFamily="34" charset="0"/>
                 <a:ea typeface="微软雅黑" panose="020B0503020204020204" pitchFamily="34" charset="-122"/>
               </a:rPr>
-              <a:t>1</a:t>
             </a:fld>
             <a:endParaRPr kumimoji="0" lang="zh-CN" altLang="en-US" sz="1200" b="0" i="0" u="none" strike="noStrike" kern="1200" cap="none" spc="0" normalizeH="0" baseline="0" noProof="0">
               <a:ln>
@@ -580,11 +575,6 @@
         </p:txBody>
       </p:sp>
     </p:spTree>
-    <p:extLst>
-      <p:ext uri="{BB962C8B-B14F-4D97-AF65-F5344CB8AC3E}">
-        <p14:creationId xmlns:p14="http://schemas.microsoft.com/office/powerpoint/2010/main" val="3927952799"/>
-      </p:ext>
-    </p:extLst>
   </p:cSld>
   <p:clrMapOvr>
     <a:masterClrMapping/>
@@ -639,6 +629,7 @@
               <a:rPr lang="zh-CN" altLang="en-US" dirty="0"/>
               <a:t>单击此处编辑标题</a:t>
             </a:r>
+            <a:endParaRPr lang="zh-CN" altLang="en-US" dirty="0"/>
           </a:p>
         </p:txBody>
       </p:sp>
@@ -705,6 +696,7 @@
               <a:rPr lang="zh-CN" altLang="en-US" dirty="0"/>
               <a:t>单击此处编辑母版副标题样式</a:t>
             </a:r>
+            <a:endParaRPr lang="zh-CN" altLang="en-US" dirty="0"/>
           </a:p>
         </p:txBody>
       </p:sp>
@@ -725,7 +717,6 @@
           <a:p>
             <a:fld id="{D997B5FA-0921-464F-AAE1-844C04324D75}" type="datetimeFigureOut">
               <a:rPr lang="zh-CN" altLang="en-US" smtClean="0"/>
-              <a:t>2018/6/4 Monday</a:t>
             </a:fld>
             <a:endParaRPr lang="zh-CN" altLang="en-US" dirty="0"/>
           </a:p>
@@ -767,7 +758,6 @@
           <a:p>
             <a:fld id="{565CE74E-AB26-4998-AD42-012C4C1AD076}" type="slidenum">
               <a:rPr lang="zh-CN" altLang="en-US" smtClean="0"/>
-              <a:t>‹#›</a:t>
             </a:fld>
             <a:endParaRPr lang="zh-CN" altLang="en-US"/>
           </a:p>
@@ -815,7 +805,6 @@
           <a:p>
             <a:fld id="{760FBDFE-C587-4B4C-A407-44438C67B59E}" type="datetimeFigureOut">
               <a:rPr lang="zh-CN" altLang="en-US" smtClean="0"/>
-              <a:t>2018/6/4 Monday</a:t>
             </a:fld>
             <a:endParaRPr lang="zh-CN" altLang="en-US"/>
           </a:p>
@@ -857,7 +846,6 @@
           <a:p>
             <a:fld id="{49AE70B2-8BF9-45C0-BB95-33D1B9D3A854}" type="slidenum">
               <a:rPr lang="zh-CN" altLang="en-US" smtClean="0"/>
-              <a:t>‹#›</a:t>
             </a:fld>
             <a:endParaRPr lang="zh-CN" altLang="en-US"/>
           </a:p>
@@ -888,6 +876,7 @@
               <a:rPr lang="zh-CN" altLang="en-US" dirty="0"/>
               <a:t>单击此处编辑母版文本样式</a:t>
             </a:r>
+            <a:endParaRPr lang="zh-CN" altLang="en-US" dirty="0"/>
           </a:p>
           <a:p>
             <a:pPr lvl="1"/>
@@ -895,6 +884,7 @@
               <a:rPr lang="zh-CN" altLang="en-US" dirty="0"/>
               <a:t>第二级</a:t>
             </a:r>
+            <a:endParaRPr lang="zh-CN" altLang="en-US" dirty="0"/>
           </a:p>
           <a:p>
             <a:pPr lvl="2"/>
@@ -902,6 +892,7 @@
               <a:rPr lang="zh-CN" altLang="en-US" dirty="0"/>
               <a:t>第三级</a:t>
             </a:r>
+            <a:endParaRPr lang="zh-CN" altLang="en-US" dirty="0"/>
           </a:p>
           <a:p>
             <a:pPr lvl="3"/>
@@ -909,6 +900,7 @@
               <a:rPr lang="zh-CN" altLang="en-US" dirty="0"/>
               <a:t>第四级</a:t>
             </a:r>
+            <a:endParaRPr lang="zh-CN" altLang="en-US" dirty="0"/>
           </a:p>
           <a:p>
             <a:pPr lvl="4"/>
@@ -916,6 +908,7 @@
               <a:rPr lang="zh-CN" altLang="en-US" dirty="0"/>
               <a:t>第五级</a:t>
             </a:r>
+            <a:endParaRPr lang="zh-CN" altLang="en-US" dirty="0"/>
           </a:p>
         </p:txBody>
       </p:sp>
@@ -963,6 +956,7 @@
               <a:rPr lang="zh-CN" altLang="en-US" dirty="0"/>
               <a:t>单击此处编辑母版标题样式</a:t>
             </a:r>
+            <a:endParaRPr lang="zh-CN" altLang="en-US" dirty="0"/>
           </a:p>
         </p:txBody>
       </p:sp>
@@ -1002,6 +996,7 @@
               <a:rPr lang="zh-CN" altLang="en-US" dirty="0"/>
               <a:t>单击此处编辑母版文本样式</a:t>
             </a:r>
+            <a:endParaRPr lang="zh-CN" altLang="en-US" dirty="0"/>
           </a:p>
           <a:p>
             <a:pPr lvl="1"/>
@@ -1009,6 +1004,7 @@
               <a:rPr lang="zh-CN" altLang="en-US" dirty="0"/>
               <a:t>第二级</a:t>
             </a:r>
+            <a:endParaRPr lang="zh-CN" altLang="en-US" dirty="0"/>
           </a:p>
           <a:p>
             <a:pPr lvl="2"/>
@@ -1016,6 +1012,7 @@
               <a:rPr lang="zh-CN" altLang="en-US" dirty="0"/>
               <a:t>第三级</a:t>
             </a:r>
+            <a:endParaRPr lang="zh-CN" altLang="en-US" dirty="0"/>
           </a:p>
           <a:p>
             <a:pPr lvl="3"/>
@@ -1023,6 +1020,7 @@
               <a:rPr lang="zh-CN" altLang="en-US" dirty="0"/>
               <a:t>第四级</a:t>
             </a:r>
+            <a:endParaRPr lang="zh-CN" altLang="en-US" dirty="0"/>
           </a:p>
           <a:p>
             <a:pPr lvl="4"/>
@@ -1030,6 +1028,7 @@
               <a:rPr lang="zh-CN" altLang="en-US" dirty="0"/>
               <a:t>第五级</a:t>
             </a:r>
+            <a:endParaRPr lang="zh-CN" altLang="en-US" dirty="0"/>
           </a:p>
         </p:txBody>
       </p:sp>
@@ -1050,7 +1049,6 @@
           <a:p>
             <a:fld id="{760FBDFE-C587-4B4C-A407-44438C67B59E}" type="datetimeFigureOut">
               <a:rPr lang="zh-CN" altLang="en-US" smtClean="0"/>
-              <a:t>2018/6/4 Monday</a:t>
             </a:fld>
             <a:endParaRPr lang="zh-CN" altLang="en-US" dirty="0"/>
           </a:p>
@@ -1092,7 +1090,6 @@
           <a:p>
             <a:fld id="{49AE70B2-8BF9-45C0-BB95-33D1B9D3A854}" type="slidenum">
               <a:rPr lang="zh-CN" altLang="en-US" smtClean="0"/>
-              <a:t>‹#›</a:t>
             </a:fld>
             <a:endParaRPr lang="zh-CN" altLang="en-US"/>
           </a:p>
@@ -1271,6 +1268,7 @@
               <a:rPr lang="zh-CN" altLang="en-US" smtClean="0"/>
               <a:t>单击此处编辑母版文本样式</a:t>
             </a:r>
+            <a:endParaRPr lang="zh-CN" altLang="en-US" smtClean="0"/>
           </a:p>
         </p:txBody>
       </p:sp>
@@ -1291,7 +1289,6 @@
           <a:p>
             <a:fld id="{5CAADBD5-FF6F-4F1F-AF78-B518D2CD176F}" type="datetimeFigureOut">
               <a:rPr lang="zh-CN" altLang="en-US" smtClean="0"/>
-              <a:t>2018/6/4 Monday</a:t>
             </a:fld>
             <a:endParaRPr lang="zh-CN" altLang="en-US"/>
           </a:p>
@@ -1333,7 +1330,6 @@
           <a:p>
             <a:fld id="{E21C2A10-E97F-46DF-9873-696D05EB38D6}" type="slidenum">
               <a:rPr lang="zh-CN" altLang="en-US" smtClean="0"/>
-              <a:t>‹#›</a:t>
             </a:fld>
             <a:endParaRPr lang="zh-CN" altLang="en-US"/>
           </a:p>
@@ -1383,6 +1379,7 @@
               <a:rPr lang="zh-CN" altLang="en-US"/>
               <a:t>单击此处编辑母版标题样式</a:t>
             </a:r>
+            <a:endParaRPr lang="zh-CN" altLang="en-US"/>
           </a:p>
         </p:txBody>
       </p:sp>
@@ -1411,6 +1408,7 @@
               <a:rPr lang="zh-CN" altLang="en-US" dirty="0"/>
               <a:t>单击此处编辑母版文本样式</a:t>
             </a:r>
+            <a:endParaRPr lang="zh-CN" altLang="en-US" dirty="0"/>
           </a:p>
           <a:p>
             <a:pPr lvl="1"/>
@@ -1418,6 +1416,7 @@
               <a:rPr lang="zh-CN" altLang="en-US" dirty="0"/>
               <a:t>第二级</a:t>
             </a:r>
+            <a:endParaRPr lang="zh-CN" altLang="en-US" dirty="0"/>
           </a:p>
           <a:p>
             <a:pPr lvl="2"/>
@@ -1425,6 +1424,7 @@
               <a:rPr lang="zh-CN" altLang="en-US" dirty="0"/>
               <a:t>第三级</a:t>
             </a:r>
+            <a:endParaRPr lang="zh-CN" altLang="en-US" dirty="0"/>
           </a:p>
           <a:p>
             <a:pPr lvl="3"/>
@@ -1432,6 +1432,7 @@
               <a:rPr lang="zh-CN" altLang="en-US" dirty="0"/>
               <a:t>第四级</a:t>
             </a:r>
+            <a:endParaRPr lang="zh-CN" altLang="en-US" dirty="0"/>
           </a:p>
           <a:p>
             <a:pPr lvl="4"/>
@@ -1439,6 +1440,7 @@
               <a:rPr lang="zh-CN" altLang="en-US" dirty="0"/>
               <a:t>第五级</a:t>
             </a:r>
+            <a:endParaRPr lang="zh-CN" altLang="en-US" dirty="0"/>
           </a:p>
         </p:txBody>
       </p:sp>
@@ -1467,6 +1469,7 @@
               <a:rPr lang="zh-CN" altLang="en-US" dirty="0"/>
               <a:t>单击此处编辑母版文本样式</a:t>
             </a:r>
+            <a:endParaRPr lang="zh-CN" altLang="en-US" dirty="0"/>
           </a:p>
           <a:p>
             <a:pPr lvl="1"/>
@@ -1474,6 +1477,7 @@
               <a:rPr lang="zh-CN" altLang="en-US" dirty="0"/>
               <a:t>第二级</a:t>
             </a:r>
+            <a:endParaRPr lang="zh-CN" altLang="en-US" dirty="0"/>
           </a:p>
           <a:p>
             <a:pPr lvl="2"/>
@@ -1481,6 +1485,7 @@
               <a:rPr lang="zh-CN" altLang="en-US" dirty="0"/>
               <a:t>第三级</a:t>
             </a:r>
+            <a:endParaRPr lang="zh-CN" altLang="en-US" dirty="0"/>
           </a:p>
           <a:p>
             <a:pPr lvl="3"/>
@@ -1488,6 +1493,7 @@
               <a:rPr lang="zh-CN" altLang="en-US" dirty="0"/>
               <a:t>第四级</a:t>
             </a:r>
+            <a:endParaRPr lang="zh-CN" altLang="en-US" dirty="0"/>
           </a:p>
           <a:p>
             <a:pPr lvl="4"/>
@@ -1495,6 +1501,7 @@
               <a:rPr lang="zh-CN" altLang="en-US" dirty="0"/>
               <a:t>第五级</a:t>
             </a:r>
+            <a:endParaRPr lang="zh-CN" altLang="en-US" dirty="0"/>
           </a:p>
         </p:txBody>
       </p:sp>
@@ -1515,7 +1522,6 @@
           <a:p>
             <a:fld id="{760FBDFE-C587-4B4C-A407-44438C67B59E}" type="datetimeFigureOut">
               <a:rPr lang="zh-CN" altLang="en-US" smtClean="0"/>
-              <a:t>2018/6/4 Monday</a:t>
             </a:fld>
             <a:endParaRPr lang="zh-CN" altLang="en-US"/>
           </a:p>
@@ -1557,7 +1563,6 @@
           <a:p>
             <a:fld id="{49AE70B2-8BF9-45C0-BB95-33D1B9D3A854}" type="slidenum">
               <a:rPr lang="zh-CN" altLang="en-US" smtClean="0"/>
-              <a:t>‹#›</a:t>
             </a:fld>
             <a:endParaRPr lang="zh-CN" altLang="en-US"/>
           </a:p>
@@ -1612,6 +1617,7 @@
               <a:rPr lang="zh-CN" altLang="en-US"/>
               <a:t>单击此处编辑母版标题样式</a:t>
             </a:r>
+            <a:endParaRPr lang="zh-CN" altLang="en-US"/>
           </a:p>
         </p:txBody>
       </p:sp>
@@ -1677,6 +1683,7 @@
               <a:rPr lang="zh-CN" altLang="en-US" dirty="0"/>
               <a:t>单击此处编辑母版文本样式</a:t>
             </a:r>
+            <a:endParaRPr lang="zh-CN" altLang="en-US" dirty="0"/>
           </a:p>
         </p:txBody>
       </p:sp>
@@ -1705,6 +1712,7 @@
               <a:rPr lang="zh-CN" altLang="en-US" dirty="0"/>
               <a:t>单击此处编辑母版文本样式</a:t>
             </a:r>
+            <a:endParaRPr lang="zh-CN" altLang="en-US" dirty="0"/>
           </a:p>
           <a:p>
             <a:pPr lvl="1"/>
@@ -1712,6 +1720,7 @@
               <a:rPr lang="zh-CN" altLang="en-US" dirty="0"/>
               <a:t>第二级</a:t>
             </a:r>
+            <a:endParaRPr lang="zh-CN" altLang="en-US" dirty="0"/>
           </a:p>
           <a:p>
             <a:pPr lvl="2"/>
@@ -1719,6 +1728,7 @@
               <a:rPr lang="zh-CN" altLang="en-US" dirty="0"/>
               <a:t>第三级</a:t>
             </a:r>
+            <a:endParaRPr lang="zh-CN" altLang="en-US" dirty="0"/>
           </a:p>
           <a:p>
             <a:pPr lvl="3"/>
@@ -1726,6 +1736,7 @@
               <a:rPr lang="zh-CN" altLang="en-US" dirty="0"/>
               <a:t>第四级</a:t>
             </a:r>
+            <a:endParaRPr lang="zh-CN" altLang="en-US" dirty="0"/>
           </a:p>
           <a:p>
             <a:pPr lvl="4"/>
@@ -1733,6 +1744,7 @@
               <a:rPr lang="zh-CN" altLang="en-US" dirty="0"/>
               <a:t>第五级</a:t>
             </a:r>
+            <a:endParaRPr lang="zh-CN" altLang="en-US" dirty="0"/>
           </a:p>
         </p:txBody>
       </p:sp>
@@ -1798,6 +1810,7 @@
               <a:rPr lang="zh-CN" altLang="en-US" dirty="0"/>
               <a:t>单击此处编辑母版文本样式</a:t>
             </a:r>
+            <a:endParaRPr lang="zh-CN" altLang="en-US" dirty="0"/>
           </a:p>
         </p:txBody>
       </p:sp>
@@ -1826,6 +1839,7 @@
               <a:rPr lang="zh-CN" altLang="en-US" dirty="0"/>
               <a:t>单击此处编辑母版文本样式</a:t>
             </a:r>
+            <a:endParaRPr lang="zh-CN" altLang="en-US" dirty="0"/>
           </a:p>
           <a:p>
             <a:pPr lvl="1"/>
@@ -1833,6 +1847,7 @@
               <a:rPr lang="zh-CN" altLang="en-US" dirty="0"/>
               <a:t>第二级</a:t>
             </a:r>
+            <a:endParaRPr lang="zh-CN" altLang="en-US" dirty="0"/>
           </a:p>
           <a:p>
             <a:pPr lvl="2"/>
@@ -1840,6 +1855,7 @@
               <a:rPr lang="zh-CN" altLang="en-US" dirty="0"/>
               <a:t>第三级</a:t>
             </a:r>
+            <a:endParaRPr lang="zh-CN" altLang="en-US" dirty="0"/>
           </a:p>
           <a:p>
             <a:pPr lvl="3"/>
@@ -1847,6 +1863,7 @@
               <a:rPr lang="zh-CN" altLang="en-US" dirty="0"/>
               <a:t>第四级</a:t>
             </a:r>
+            <a:endParaRPr lang="zh-CN" altLang="en-US" dirty="0"/>
           </a:p>
           <a:p>
             <a:pPr lvl="4"/>
@@ -1854,6 +1871,7 @@
               <a:rPr lang="zh-CN" altLang="en-US" dirty="0"/>
               <a:t>第五级</a:t>
             </a:r>
+            <a:endParaRPr lang="zh-CN" altLang="en-US" dirty="0"/>
           </a:p>
         </p:txBody>
       </p:sp>
@@ -1874,7 +1892,6 @@
           <a:p>
             <a:fld id="{760FBDFE-C587-4B4C-A407-44438C67B59E}" type="datetimeFigureOut">
               <a:rPr lang="zh-CN" altLang="en-US" smtClean="0"/>
-              <a:t>2018/6/4 Monday</a:t>
             </a:fld>
             <a:endParaRPr lang="zh-CN" altLang="en-US"/>
           </a:p>
@@ -1916,7 +1933,6 @@
           <a:p>
             <a:fld id="{49AE70B2-8BF9-45C0-BB95-33D1B9D3A854}" type="slidenum">
               <a:rPr lang="zh-CN" altLang="en-US" smtClean="0"/>
-              <a:t>‹#›</a:t>
             </a:fld>
             <a:endParaRPr lang="zh-CN" altLang="en-US"/>
           </a:p>
@@ -1987,7 +2003,6 @@
           <a:p>
             <a:fld id="{5CAADBD5-FF6F-4F1F-AF78-B518D2CD176F}" type="datetimeFigureOut">
               <a:rPr lang="zh-CN" altLang="en-US" smtClean="0"/>
-              <a:t>2018/6/4 Monday</a:t>
             </a:fld>
             <a:endParaRPr lang="zh-CN" altLang="en-US"/>
           </a:p>
@@ -2029,7 +2044,6 @@
           <a:p>
             <a:fld id="{E21C2A10-E97F-46DF-9873-696D05EB38D6}" type="slidenum">
               <a:rPr lang="zh-CN" altLang="en-US" smtClean="0"/>
-              <a:t>‹#›</a:t>
             </a:fld>
             <a:endParaRPr lang="zh-CN" altLang="en-US"/>
           </a:p>
@@ -2077,7 +2091,6 @@
           <a:p>
             <a:fld id="{760FBDFE-C587-4B4C-A407-44438C67B59E}" type="datetimeFigureOut">
               <a:rPr lang="zh-CN" altLang="en-US" smtClean="0"/>
-              <a:t>2018/6/4 Monday</a:t>
             </a:fld>
             <a:endParaRPr lang="zh-CN" altLang="en-US"/>
           </a:p>
@@ -2119,7 +2132,6 @@
           <a:p>
             <a:fld id="{49AE70B2-8BF9-45C0-BB95-33D1B9D3A854}" type="slidenum">
               <a:rPr lang="zh-CN" altLang="en-US" smtClean="0"/>
-              <a:t>‹#›</a:t>
             </a:fld>
             <a:endParaRPr lang="zh-CN" altLang="en-US"/>
           </a:p>
@@ -2180,6 +2192,7 @@
               <a:rPr lang="zh-CN" altLang="en-US" dirty="0"/>
               <a:t>单击此处编辑标题</a:t>
             </a:r>
+            <a:endParaRPr lang="zh-CN" altLang="en-US" dirty="0"/>
           </a:p>
         </p:txBody>
       </p:sp>
@@ -2308,6 +2321,7 @@
               <a:rPr lang="zh-CN" altLang="en-US" dirty="0"/>
               <a:t>单击此处编辑母版文本样式</a:t>
             </a:r>
+            <a:endParaRPr lang="zh-CN" altLang="en-US" dirty="0"/>
           </a:p>
         </p:txBody>
       </p:sp>
@@ -2328,7 +2342,6 @@
           <a:p>
             <a:fld id="{9EFD9D74-47D9-4702-A33C-335B63B48DBF}" type="datetimeFigureOut">
               <a:rPr lang="zh-CN" altLang="en-US" smtClean="0"/>
-              <a:t>2018/6/4 Monday</a:t>
             </a:fld>
             <a:endParaRPr lang="zh-CN" altLang="en-US" dirty="0"/>
           </a:p>
@@ -2370,7 +2383,6 @@
           <a:p>
             <a:fld id="{FABC47A4-756D-490B-A52F-7D9E2C9FC05F}" type="slidenum">
               <a:rPr lang="zh-CN" altLang="en-US" smtClean="0"/>
-              <a:t>‹#›</a:t>
             </a:fld>
             <a:endParaRPr lang="zh-CN" altLang="en-US"/>
           </a:p>
@@ -2431,6 +2443,7 @@
               <a:rPr lang="zh-CN" altLang="en-US" dirty="0"/>
               <a:t>单击此处编辑标题</a:t>
             </a:r>
+            <a:endParaRPr lang="zh-CN" altLang="en-US" dirty="0"/>
           </a:p>
         </p:txBody>
       </p:sp>
@@ -2459,6 +2472,7 @@
               <a:rPr lang="zh-CN" altLang="en-US" dirty="0"/>
               <a:t>单击此处编辑母版文本样式</a:t>
             </a:r>
+            <a:endParaRPr lang="zh-CN" altLang="en-US" dirty="0"/>
           </a:p>
           <a:p>
             <a:pPr lvl="1"/>
@@ -2466,6 +2480,7 @@
               <a:rPr lang="zh-CN" altLang="en-US" dirty="0"/>
               <a:t>第二级</a:t>
             </a:r>
+            <a:endParaRPr lang="zh-CN" altLang="en-US" dirty="0"/>
           </a:p>
           <a:p>
             <a:pPr lvl="2"/>
@@ -2473,6 +2488,7 @@
               <a:rPr lang="zh-CN" altLang="en-US" dirty="0"/>
               <a:t>第三级</a:t>
             </a:r>
+            <a:endParaRPr lang="zh-CN" altLang="en-US" dirty="0"/>
           </a:p>
           <a:p>
             <a:pPr lvl="3"/>
@@ -2480,6 +2496,7 @@
               <a:rPr lang="zh-CN" altLang="en-US" dirty="0"/>
               <a:t>第四级</a:t>
             </a:r>
+            <a:endParaRPr lang="zh-CN" altLang="en-US" dirty="0"/>
           </a:p>
           <a:p>
             <a:pPr lvl="4"/>
@@ -2487,6 +2504,7 @@
               <a:rPr lang="zh-CN" altLang="en-US" dirty="0"/>
               <a:t>第五级</a:t>
             </a:r>
+            <a:endParaRPr lang="zh-CN" altLang="en-US" dirty="0"/>
           </a:p>
         </p:txBody>
       </p:sp>
@@ -2507,7 +2525,6 @@
           <a:p>
             <a:fld id="{760FBDFE-C587-4B4C-A407-44438C67B59E}" type="datetimeFigureOut">
               <a:rPr lang="zh-CN" altLang="en-US" smtClean="0"/>
-              <a:t>2018/6/4 Monday</a:t>
             </a:fld>
             <a:endParaRPr lang="zh-CN" altLang="en-US"/>
           </a:p>
@@ -2549,7 +2566,6 @@
           <a:p>
             <a:fld id="{49AE70B2-8BF9-45C0-BB95-33D1B9D3A854}" type="slidenum">
               <a:rPr lang="zh-CN" altLang="en-US" smtClean="0"/>
-              <a:t>‹#›</a:t>
             </a:fld>
             <a:endParaRPr lang="zh-CN" altLang="en-US"/>
           </a:p>
@@ -2594,7 +2610,7 @@
           <p:nvPr>
             <p:ph type="title"/>
             <p:custDataLst>
-              <p:tags r:id="rId12"/>
+              <p:tags r:id="rId11"/>
             </p:custDataLst>
           </p:nvPr>
         </p:nvSpPr>
@@ -2617,6 +2633,7 @@
               <a:rPr lang="zh-CN" altLang="en-US" dirty="0"/>
               <a:t>单击此处编辑母版标题样式</a:t>
             </a:r>
+            <a:endParaRPr lang="zh-CN" altLang="en-US" dirty="0"/>
           </a:p>
         </p:txBody>
       </p:sp>
@@ -2629,7 +2646,7 @@
           <p:nvPr>
             <p:ph type="body" idx="1"/>
             <p:custDataLst>
-              <p:tags r:id="rId13"/>
+              <p:tags r:id="rId12"/>
             </p:custDataLst>
           </p:nvPr>
         </p:nvSpPr>
@@ -2653,6 +2670,7 @@
               <a:rPr lang="zh-CN" altLang="en-US" dirty="0"/>
               <a:t>单击此处编辑母版文本样式</a:t>
             </a:r>
+            <a:endParaRPr lang="zh-CN" altLang="en-US" dirty="0"/>
           </a:p>
           <a:p>
             <a:pPr lvl="1"/>
@@ -2660,6 +2678,7 @@
               <a:rPr lang="zh-CN" altLang="en-US" dirty="0"/>
               <a:t>第二级</a:t>
             </a:r>
+            <a:endParaRPr lang="zh-CN" altLang="en-US" dirty="0"/>
           </a:p>
           <a:p>
             <a:pPr lvl="2"/>
@@ -2667,6 +2686,7 @@
               <a:rPr lang="zh-CN" altLang="en-US" dirty="0"/>
               <a:t>第三级</a:t>
             </a:r>
+            <a:endParaRPr lang="zh-CN" altLang="en-US" dirty="0"/>
           </a:p>
           <a:p>
             <a:pPr lvl="3"/>
@@ -2674,6 +2694,7 @@
               <a:rPr lang="zh-CN" altLang="en-US" dirty="0"/>
               <a:t>第四级</a:t>
             </a:r>
+            <a:endParaRPr lang="zh-CN" altLang="en-US" dirty="0"/>
           </a:p>
           <a:p>
             <a:pPr lvl="4"/>
@@ -2681,6 +2702,7 @@
               <a:rPr lang="zh-CN" altLang="en-US" dirty="0"/>
               <a:t>第五级</a:t>
             </a:r>
+            <a:endParaRPr lang="zh-CN" altLang="en-US" dirty="0"/>
           </a:p>
         </p:txBody>
       </p:sp>
@@ -2723,7 +2745,6 @@
           <a:p>
             <a:fld id="{D997B5FA-0921-464F-AAE1-844C04324D75}" type="datetimeFigureOut">
               <a:rPr lang="zh-CN" altLang="en-US" smtClean="0"/>
-              <a:t>2018/6/4 Monday</a:t>
             </a:fld>
             <a:endParaRPr lang="zh-CN" altLang="en-US" dirty="0"/>
           </a:p>
@@ -2809,7 +2830,6 @@
           <a:p>
             <a:fld id="{565CE74E-AB26-4998-AD42-012C4C1AD076}" type="slidenum">
               <a:rPr lang="zh-CN" altLang="en-US" smtClean="0"/>
-              <a:t>‹#›</a:t>
             </a:fld>
             <a:endParaRPr lang="zh-CN" altLang="en-US"/>
           </a:p>
@@ -2821,7 +2841,7 @@
           <p:cNvSpPr/>
           <p:nvPr userDrawn="1">
             <p:custDataLst>
-              <p:tags r:id="rId14"/>
+              <p:tags r:id="rId13"/>
             </p:custDataLst>
           </p:nvPr>
         </p:nvSpPr>
@@ -3183,6 +3203,32 @@
           <p:nvPr>
             <p:ph type="ctrTitle"/>
             <p:custDataLst>
+              <p:tags r:id="rId1"/>
+            </p:custDataLst>
+          </p:nvPr>
+        </p:nvSpPr>
+        <p:spPr/>
+        <p:txBody>
+          <a:bodyPr/>
+          <a:lstStyle/>
+          <a:p>
+            <a:r>
+              <a:rPr lang="zh-CN" altLang="en-US" dirty="0"/>
+              <a:t>工厂模式</a:t>
+            </a:r>
+            <a:endParaRPr lang="zh-CN" altLang="en-US" dirty="0"/>
+          </a:p>
+        </p:txBody>
+      </p:sp>
+      <p:sp>
+        <p:nvSpPr>
+          <p:cNvPr id="5" name="副标题 4"/>
+          <p:cNvSpPr>
+            <a:spLocks noGrp="1"/>
+          </p:cNvSpPr>
+          <p:nvPr>
+            <p:ph type="subTitle" idx="1"/>
+            <p:custDataLst>
               <p:tags r:id="rId2"/>
             </p:custDataLst>
           </p:nvPr>
@@ -3193,31 +3239,6 @@
           <a:lstStyle/>
           <a:p>
             <a:r>
-              <a:rPr lang="zh-CN" altLang="en-US" dirty="0"/>
-              <a:t>工厂模式</a:t>
-            </a:r>
-          </a:p>
-        </p:txBody>
-      </p:sp>
-      <p:sp>
-        <p:nvSpPr>
-          <p:cNvPr id="5" name="副标题 4"/>
-          <p:cNvSpPr>
-            <a:spLocks noGrp="1"/>
-          </p:cNvSpPr>
-          <p:nvPr>
-            <p:ph type="subTitle" idx="1"/>
-            <p:custDataLst>
-              <p:tags r:id="rId3"/>
-            </p:custDataLst>
-          </p:nvPr>
-        </p:nvSpPr>
-        <p:spPr/>
-        <p:txBody>
-          <a:bodyPr/>
-          <a:lstStyle/>
-          <a:p>
-            <a:r>
               <a:rPr lang="en-US" altLang="zh-CN" smtClean="0"/>
               <a:t>Lorem ipsum dolor sit amet, consectetur adipisicing elit.</a:t>
             </a:r>
@@ -3227,7 +3248,7 @@
       </p:sp>
     </p:spTree>
     <p:custDataLst>
-      <p:tags r:id="rId1"/>
+      <p:tags r:id="rId3"/>
     </p:custDataLst>
   </p:cSld>
   <p:clrMapOvr>
@@ -3265,37 +3286,21 @@
         </p:nvSpPr>
         <p:spPr/>
         <p:txBody>
-          <a:bodyPr/>
+          <a:bodyPr>
+            <a:normAutofit fontScale="90000"/>
+          </a:bodyPr>
           <a:lstStyle/>
           <a:p>
             <a:r>
               <a:rPr lang="zh-CN" altLang="en-US"/>
-              <a:t>简单工厂方法</a:t>
-            </a:r>
-          </a:p>
-        </p:txBody>
-      </p:sp>
-      <p:sp>
-        <p:nvSpPr>
-          <p:cNvPr id="3" name="内容占位符 2"/>
-          <p:cNvSpPr>
-            <a:spLocks noGrp="1"/>
-          </p:cNvSpPr>
-          <p:nvPr>
-            <p:ph idx="1"/>
-          </p:nvPr>
-        </p:nvSpPr>
-        <p:spPr/>
-        <p:txBody>
-          <a:bodyPr/>
-          <a:lstStyle/>
-          <a:p>
-            <a:r>
-              <a:rPr lang="zh-CN" altLang="en-US"/>
+              <a:t>简单工厂方法：</a:t>
+            </a:r>
+            <a:r>
+              <a:rPr lang="zh-CN" altLang="en-US">
+                <a:sym typeface="+mn-ea"/>
+              </a:rPr>
               <a:t>一个静态方法，通过参数创建不同类型的对象。</a:t>
             </a:r>
-          </a:p>
-          <a:p>
             <a:endParaRPr lang="zh-CN" altLang="en-US"/>
           </a:p>
         </p:txBody>
@@ -3304,28 +3309,22 @@
         <p:nvGraphicFramePr>
           <p:cNvPr id="6" name="对象 5"/>
           <p:cNvGraphicFramePr/>
-          <p:nvPr>
-            <p:extLst>
-              <p:ext uri="{D42A27DB-BD31-4B8C-83A1-F6EECF244321}">
-                <p14:modId xmlns:p14="http://schemas.microsoft.com/office/powerpoint/2010/main" val="3305969217"/>
-              </p:ext>
-            </p:extLst>
-          </p:nvPr>
+          <p:nvPr/>
         </p:nvGraphicFramePr>
         <p:xfrm>
-          <a:off x="1579880" y="2559050"/>
-          <a:ext cx="8639810" cy="3618230"/>
+          <a:off x="1089660" y="1691005"/>
+          <a:ext cx="10264140" cy="4963795"/>
         </p:xfrm>
         <a:graphic>
           <a:graphicData uri="http://schemas.openxmlformats.org/presentationml/2006/ole">
             <mc:AlternateContent xmlns:mc="http://schemas.openxmlformats.org/markup-compatibility/2006">
               <mc:Choice xmlns:v="urn:schemas-microsoft-com:vml" Requires="v">
-                <p:oleObj spid="_x0000_s1026" name="Visio" r:id="rId4" imgW="6477135" imgH="2628900" progId="Visio.Drawing.15">
+                <p:oleObj spid="_x0000_s1026" name="Visio" r:id="rId1" imgW="5560060" imgH="2261235" progId="Visio.Drawing.15">
                   <p:embed/>
                 </p:oleObj>
               </mc:Choice>
               <mc:Fallback>
-                <p:oleObj name="Visio" r:id="rId4" imgW="6477135" imgH="2628900" progId="Visio.Drawing.15">
+                <p:oleObj name="Visio" r:id="rId1" imgW="5560060" imgH="2261235" progId="Visio.Drawing.15">
                   <p:embed/>
                   <p:pic>
                     <p:nvPicPr>
@@ -3334,15 +3333,15 @@
                       <p:nvPr/>
                     </p:nvPicPr>
                     <p:blipFill>
-                      <a:blip r:embed="rId5"/>
+                      <a:blip r:embed="rId2"/>
                       <a:stretch>
                         <a:fillRect/>
                       </a:stretch>
                     </p:blipFill>
                     <p:spPr>
                       <a:xfrm>
-                        <a:off x="1579880" y="2559050"/>
-                        <a:ext cx="8639810" cy="3618230"/>
+                        <a:off x="1089660" y="1691005"/>
+                        <a:ext cx="10264140" cy="4963795"/>
                       </a:xfrm>
                       <a:prstGeom prst="rect">
                         <a:avLst/>
@@ -3357,7 +3356,7 @@
       </p:graphicFrame>
     </p:spTree>
     <p:custDataLst>
-      <p:tags r:id="rId2"/>
+      <p:tags r:id="rId3"/>
     </p:custDataLst>
   </p:cSld>
   <p:clrMapOvr>
@@ -3395,65 +3394,77 @@
         </p:nvSpPr>
         <p:spPr/>
         <p:txBody>
-          <a:bodyPr/>
+          <a:bodyPr>
+            <a:normAutofit/>
+          </a:bodyPr>
           <a:lstStyle/>
           <a:p>
             <a:r>
               <a:rPr lang="zh-CN" altLang="en-US"/>
-              <a:t>工厂模式</a:t>
-            </a:r>
-          </a:p>
-        </p:txBody>
-      </p:sp>
-      <p:sp>
-        <p:nvSpPr>
-          <p:cNvPr id="3" name="内容占位符 2"/>
-          <p:cNvSpPr>
-            <a:spLocks noGrp="1"/>
-          </p:cNvSpPr>
-          <p:nvPr>
-            <p:ph idx="1"/>
-          </p:nvPr>
-        </p:nvSpPr>
-        <p:spPr/>
-        <p:txBody>
-          <a:bodyPr/>
-          <a:lstStyle/>
-          <a:p>
-            <a:r>
-              <a:rPr lang="zh-CN" altLang="en-US"/>
+              <a:t>工厂模式：</a:t>
+            </a:r>
+            <a:r>
+              <a:rPr lang="zh-CN" altLang="en-US">
+                <a:sym typeface="+mn-ea"/>
+              </a:rPr>
               <a:t>一个工厂创建一种类型的产品</a:t>
             </a:r>
-          </a:p>
-        </p:txBody>
-      </p:sp>
-      <p:pic>
-        <p:nvPicPr>
-          <p:cNvPr id="4" name="图片 3"/>
-          <p:cNvPicPr>
-            <a:picLocks noChangeAspect="1"/>
-          </p:cNvPicPr>
+            <a:endParaRPr lang="zh-CN" altLang="en-US"/>
+          </a:p>
+        </p:txBody>
+      </p:sp>
+      <p:graphicFrame>
+        <p:nvGraphicFramePr>
+          <p:cNvPr id="5" name="对象 4"/>
+          <p:cNvGraphicFramePr/>
           <p:nvPr/>
-        </p:nvPicPr>
-        <p:blipFill>
-          <a:blip r:embed="rId3"/>
-          <a:stretch>
-            <a:fillRect/>
-          </a:stretch>
-        </p:blipFill>
-        <p:spPr>
-          <a:xfrm>
-            <a:off x="1345565" y="2426335"/>
-            <a:ext cx="9133205" cy="3933190"/>
-          </a:xfrm>
-          <a:prstGeom prst="rect">
-            <a:avLst/>
-          </a:prstGeom>
-        </p:spPr>
-      </p:pic>
+        </p:nvGraphicFramePr>
+        <p:xfrm>
+          <a:off x="752475" y="1377950"/>
+          <a:ext cx="10601325" cy="5187950"/>
+        </p:xfrm>
+        <a:graphic>
+          <a:graphicData uri="http://schemas.openxmlformats.org/presentationml/2006/ole">
+            <mc:AlternateContent xmlns:mc="http://schemas.openxmlformats.org/markup-compatibility/2006">
+              <mc:Choice xmlns:v="urn:schemas-microsoft-com:vml" Requires="v">
+                <p:oleObj spid="_x0000_s6" name="" r:id="rId1" imgW="8474710" imgH="4196715" progId="Visio.Drawing.15">
+                  <p:embed/>
+                </p:oleObj>
+              </mc:Choice>
+              <mc:Fallback>
+                <p:oleObj name="" r:id="rId1" imgW="8474710" imgH="4196715" progId="Visio.Drawing.15">
+                  <p:embed/>
+                  <p:pic>
+                    <p:nvPicPr>
+                      <p:cNvPr id="0" name="图片 5"/>
+                      <p:cNvPicPr/>
+                      <p:nvPr/>
+                    </p:nvPicPr>
+                    <p:blipFill>
+                      <a:blip r:embed="rId2"/>
+                      <a:stretch>
+                        <a:fillRect/>
+                      </a:stretch>
+                    </p:blipFill>
+                    <p:spPr>
+                      <a:xfrm>
+                        <a:off x="752475" y="1377950"/>
+                        <a:ext cx="10601325" cy="5187950"/>
+                      </a:xfrm>
+                      <a:prstGeom prst="rect">
+                        <a:avLst/>
+                      </a:prstGeom>
+                    </p:spPr>
+                  </p:pic>
+                </p:oleObj>
+              </mc:Fallback>
+            </mc:AlternateContent>
+          </a:graphicData>
+        </a:graphic>
+      </p:graphicFrame>
     </p:spTree>
     <p:custDataLst>
-      <p:tags r:id="rId1"/>
+      <p:tags r:id="rId3"/>
     </p:custDataLst>
   </p:cSld>
   <p:clrMapOvr>
@@ -3491,35 +3502,25 @@
         </p:nvSpPr>
         <p:spPr/>
         <p:txBody>
-          <a:bodyPr/>
+          <a:bodyPr>
+            <a:normAutofit fontScale="90000"/>
+          </a:bodyPr>
           <a:lstStyle/>
           <a:p>
             <a:r>
               <a:rPr lang="zh-CN" altLang="en-US"/>
-              <a:t>抽象工厂模式</a:t>
-            </a:r>
-          </a:p>
-        </p:txBody>
-      </p:sp>
-      <p:sp>
-        <p:nvSpPr>
-          <p:cNvPr id="3" name="内容占位符 2"/>
-          <p:cNvSpPr>
-            <a:spLocks noGrp="1"/>
-          </p:cNvSpPr>
-          <p:nvPr>
-            <p:ph idx="1"/>
-          </p:nvPr>
-        </p:nvSpPr>
-        <p:spPr/>
-        <p:txBody>
-          <a:bodyPr/>
-          <a:lstStyle/>
-          <a:p>
-            <a:r>
+              <a:t>抽象工厂模式：</a:t>
+            </a:r>
+            <a:r>
+              <a:rPr lang="zh-CN" altLang="en-US">
+                <a:sym typeface="+mn-ea"/>
+              </a:rPr>
+              <a:t>一个工厂创建一系列的产品</a:t>
+            </a:r>
+            <a:br>
               <a:rPr lang="zh-CN" altLang="en-US"/>
-              <a:t>一个工厂创建一系列的产品</a:t>
-            </a:r>
+            </a:br>
+            <a:endParaRPr lang="zh-CN" altLang="en-US"/>
           </a:p>
         </p:txBody>
       </p:sp>
@@ -3532,19 +3533,19 @@
           <p:nvPr/>
         </p:nvGraphicFramePr>
         <p:xfrm>
-          <a:off x="4491990" y="2408555"/>
-          <a:ext cx="6246495" cy="4197985"/>
+          <a:off x="1915160" y="1329690"/>
+          <a:ext cx="8128000" cy="5462270"/>
         </p:xfrm>
         <a:graphic>
           <a:graphicData uri="http://schemas.openxmlformats.org/presentationml/2006/ole">
             <mc:AlternateContent xmlns:mc="http://schemas.openxmlformats.org/markup-compatibility/2006">
               <mc:Choice xmlns:v="urn:schemas-microsoft-com:vml" Requires="v">
-                <p:oleObj spid="_x0000_s3087" name="Visio" r:id="rId4" imgW="6650990" imgH="4877435" progId="Visio.Drawing.11">
+                <p:oleObj spid="_x0000_s3087" name="Visio" r:id="rId1" imgW="6650990" imgH="4877435" progId="Visio.Drawing.11">
                   <p:embed/>
                 </p:oleObj>
               </mc:Choice>
               <mc:Fallback>
-                <p:oleObj name="Visio" r:id="rId4" imgW="6650990" imgH="4877435" progId="Visio.Drawing.11">
+                <p:oleObj name="Visio" r:id="rId1" imgW="6650990" imgH="4877435" progId="Visio.Drawing.11">
                   <p:embed/>
                   <p:pic>
                     <p:nvPicPr>
@@ -3553,15 +3554,15 @@
                       <p:nvPr/>
                     </p:nvPicPr>
                     <p:blipFill>
-                      <a:blip r:embed="rId5"/>
+                      <a:blip r:embed="rId2"/>
                       <a:stretch>
                         <a:fillRect/>
                       </a:stretch>
                     </p:blipFill>
                     <p:spPr>
                       <a:xfrm>
-                        <a:off x="4491990" y="2408555"/>
-                        <a:ext cx="6246495" cy="4197985"/>
+                        <a:off x="1915160" y="1329690"/>
+                        <a:ext cx="8128000" cy="5462270"/>
                       </a:xfrm>
                       <a:prstGeom prst="rect">
                         <a:avLst/>
@@ -3581,7 +3582,7 @@
       </p:graphicFrame>
     </p:spTree>
     <p:custDataLst>
-      <p:tags r:id="rId2"/>
+      <p:tags r:id="rId3"/>
     </p:custDataLst>
   </p:cSld>
   <p:clrMapOvr>
@@ -3599,214 +3600,59 @@
         <p:cNvGrpSpPr/>
         <p:nvPr/>
       </p:nvGrpSpPr>
-      <p:grpSpPr>
-        <a:xfrm>
-          <a:off x="0" y="0"/>
-          <a:ext cx="0" cy="0"/>
-          <a:chOff x="0" y="0"/>
-          <a:chExt cx="0" cy="0"/>
-        </a:xfrm>
-      </p:grpSpPr>
-      <p:sp>
-        <p:nvSpPr>
-          <p:cNvPr id="2" name="标题 1"/>
-          <p:cNvSpPr>
-            <a:spLocks noGrp="1"/>
-          </p:cNvSpPr>
-          <p:nvPr>
-            <p:ph type="title"/>
-          </p:nvPr>
-        </p:nvSpPr>
-        <p:spPr/>
-        <p:txBody>
-          <a:bodyPr/>
-          <a:lstStyle/>
-          <a:p>
-            <a:r>
-              <a:rPr lang="zh-CN" altLang="en-US"/>
-              <a:t>实验说明</a:t>
-            </a:r>
-          </a:p>
-        </p:txBody>
-      </p:sp>
-      <p:sp>
-        <p:nvSpPr>
-          <p:cNvPr id="3" name="内容占位符 2"/>
-          <p:cNvSpPr>
-            <a:spLocks noGrp="1"/>
-          </p:cNvSpPr>
-          <p:nvPr>
-            <p:ph idx="1"/>
-          </p:nvPr>
-        </p:nvSpPr>
-        <p:spPr/>
-        <p:txBody>
-          <a:bodyPr/>
-          <a:lstStyle/>
-          <a:p>
-            <a:r>
-              <a:rPr lang="zh-CN" altLang="en-US"/>
-              <a:t>本课程所有的实验都在一个项目的不同目录下</a:t>
-            </a:r>
-          </a:p>
-          <a:p>
-            <a:pPr lvl="1"/>
-            <a:r>
-              <a:rPr lang="zh-CN" altLang="en-US"/>
-              <a:t>项目名称：学号姓名，学号和姓名之间不要由任何字符，姓名之后不要由任何字符，姓名用中文。例如：</a:t>
-            </a:r>
-            <a:r>
-              <a:rPr lang="en-US" altLang="zh-CN">
-                <a:solidFill>
-                  <a:srgbClr val="FF0000"/>
-                </a:solidFill>
-              </a:rPr>
-              <a:t>201530690001</a:t>
-            </a:r>
-            <a:r>
-              <a:rPr lang="zh-CN" altLang="en-US">
-                <a:solidFill>
-                  <a:srgbClr val="FF0000"/>
-                </a:solidFill>
-              </a:rPr>
-              <a:t>张山</a:t>
-            </a:r>
-          </a:p>
-          <a:p>
-            <a:pPr lvl="1"/>
-            <a:r>
-              <a:rPr lang="zh-CN" altLang="en-US"/>
-              <a:t>实验包的应该是</a:t>
-            </a:r>
-            <a:r>
-              <a:rPr lang="en-US" altLang="zh-CN"/>
-              <a:t>cn.edu.scau.cmi.zhangshan</a:t>
-            </a:r>
-            <a:r>
-              <a:rPr lang="zh-CN" altLang="en-US"/>
-              <a:t>的不同子包，名字不要随意取，不清楚的话可以参考老师的。</a:t>
-            </a:r>
-          </a:p>
-          <a:p>
-            <a:pPr lvl="1"/>
-            <a:r>
-              <a:rPr lang="zh-CN" altLang="en-US"/>
-              <a:t>实验的文档命名规范：每次实验的命名例子是：</a:t>
-            </a:r>
-            <a:r>
-              <a:rPr lang="zh-CN" altLang="en-US">
-                <a:solidFill>
-                  <a:srgbClr val="FF0000"/>
-                </a:solidFill>
-              </a:rPr>
-              <a:t>201530690101张三-实验四-工厂模式.doc</a:t>
-            </a:r>
-          </a:p>
-          <a:p>
-            <a:pPr lvl="1"/>
-            <a:r>
-              <a:rPr lang="zh-CN" altLang="en-US"/>
-              <a:t>开发工具使用</a:t>
-            </a:r>
-            <a:r>
-              <a:rPr lang="en-US" altLang="zh-CN"/>
-              <a:t>eclipse</a:t>
-            </a:r>
-            <a:r>
-              <a:rPr lang="zh-CN" altLang="en-US"/>
-              <a:t>或者</a:t>
-            </a:r>
-            <a:r>
-              <a:rPr lang="en-US" altLang="zh-CN"/>
-              <a:t>myeclipse</a:t>
-            </a:r>
-            <a:r>
-              <a:rPr lang="zh-CN" altLang="en-US"/>
-              <a:t>，使用</a:t>
-            </a:r>
-            <a:r>
-              <a:rPr lang="en-US" altLang="zh-CN"/>
-              <a:t>netbeans</a:t>
-            </a:r>
-            <a:r>
-              <a:rPr lang="zh-CN" altLang="en-US"/>
-              <a:t>或者</a:t>
-            </a:r>
-            <a:r>
-              <a:rPr lang="en-US" altLang="zh-CN"/>
-              <a:t>IJ</a:t>
-            </a:r>
-            <a:r>
-              <a:rPr lang="zh-CN" altLang="en-US"/>
-              <a:t>的同学提交实验我检查的时候，请先转换为</a:t>
-            </a:r>
-            <a:r>
-              <a:rPr lang="en-US" altLang="zh-CN"/>
-              <a:t>eclipse</a:t>
-            </a:r>
-            <a:r>
-              <a:rPr lang="zh-CN" altLang="en-US"/>
-              <a:t>的平台，然后压缩为</a:t>
-            </a:r>
-            <a:r>
-              <a:rPr lang="en-US" altLang="zh-CN">
-                <a:solidFill>
-                  <a:srgbClr val="FF0000"/>
-                </a:solidFill>
-              </a:rPr>
-              <a:t>zip</a:t>
-            </a:r>
-            <a:r>
-              <a:rPr lang="zh-CN" altLang="en-US"/>
-              <a:t>文件，例子：</a:t>
-            </a:r>
-            <a:r>
-              <a:rPr lang="en-US" altLang="zh-CN">
-                <a:solidFill>
-                  <a:srgbClr val="FF0000"/>
-                </a:solidFill>
-                <a:sym typeface="+mn-ea"/>
-              </a:rPr>
-              <a:t>201530690001</a:t>
-            </a:r>
-            <a:r>
-              <a:rPr lang="zh-CN" altLang="en-US">
-                <a:solidFill>
-                  <a:srgbClr val="FF0000"/>
-                </a:solidFill>
-                <a:sym typeface="+mn-ea"/>
-              </a:rPr>
-              <a:t>张山</a:t>
-            </a:r>
-            <a:r>
-              <a:rPr lang="en-US" altLang="zh-CN">
-                <a:solidFill>
-                  <a:srgbClr val="FF0000"/>
-                </a:solidFill>
-                <a:sym typeface="+mn-ea"/>
-              </a:rPr>
-              <a:t>.zip, </a:t>
-            </a:r>
-            <a:r>
-              <a:rPr lang="zh-CN" altLang="en-US">
-                <a:sym typeface="+mn-ea"/>
-              </a:rPr>
-              <a:t>这样，我用eclipse就可以导入同学们的项目进行检查。</a:t>
-            </a:r>
-            <a:endParaRPr lang="zh-CN" altLang="en-US"/>
-          </a:p>
-          <a:p>
-            <a:pPr lvl="1"/>
-            <a:r>
-              <a:rPr lang="zh-CN" altLang="en-US"/>
-              <a:t>本次作业的实验代码和文档下周一中午前交。</a:t>
-            </a:r>
-          </a:p>
-        </p:txBody>
-      </p:sp>
+      <p:grpSpPr/>
+      <p:graphicFrame>
+        <p:nvGraphicFramePr>
+          <p:cNvPr id="4" name="对象 3"/>
+          <p:cNvGraphicFramePr/>
+          <p:nvPr/>
+        </p:nvGraphicFramePr>
+        <p:xfrm>
+          <a:off x="1233170" y="542290"/>
+          <a:ext cx="9725660" cy="5772785"/>
+        </p:xfrm>
+        <a:graphic>
+          <a:graphicData uri="http://schemas.openxmlformats.org/presentationml/2006/ole">
+            <mc:AlternateContent xmlns:mc="http://schemas.openxmlformats.org/markup-compatibility/2006">
+              <mc:Choice xmlns:v="urn:schemas-microsoft-com:vml" Requires="v">
+                <p:oleObj spid="_x0000_s5" name="" r:id="rId1" imgW="8352155" imgH="4963795" progId="Visio.Drawing.15">
+                  <p:embed/>
+                </p:oleObj>
+              </mc:Choice>
+              <mc:Fallback>
+                <p:oleObj name="" r:id="rId1" imgW="8352155" imgH="4963795" progId="Visio.Drawing.15">
+                  <p:embed/>
+                  <p:pic>
+                    <p:nvPicPr>
+                      <p:cNvPr id="0" name="图片 4"/>
+                      <p:cNvPicPr/>
+                      <p:nvPr/>
+                    </p:nvPicPr>
+                    <p:blipFill>
+                      <a:blip r:embed="rId2"/>
+                      <a:stretch>
+                        <a:fillRect/>
+                      </a:stretch>
+                    </p:blipFill>
+                    <p:spPr>
+                      <a:xfrm>
+                        <a:off x="1233170" y="542290"/>
+                        <a:ext cx="9725660" cy="5772785"/>
+                      </a:xfrm>
+                      <a:prstGeom prst="rect">
+                        <a:avLst/>
+                      </a:prstGeom>
+                    </p:spPr>
+                  </p:pic>
+                </p:oleObj>
+              </mc:Fallback>
+            </mc:AlternateContent>
+          </a:graphicData>
+        </a:graphic>
+      </p:graphicFrame>
     </p:spTree>
     <p:custDataLst>
-      <p:tags r:id="rId1"/>
+      <p:tags r:id="rId3"/>
     </p:custDataLst>
   </p:cSld>
   <p:clrMapOvr>
@@ -3816,7 +3662,7 @@
 </file>
 
 <file path=ppt/tags/tag1.xml><?xml version="1.0" encoding="utf-8"?>
-<p:tagLst xmlns:a="http://schemas.openxmlformats.org/drawingml/2006/main" xmlns:r="http://schemas.openxmlformats.org/officeDocument/2006/relationships" xmlns:p="http://schemas.openxmlformats.org/presentationml/2006/main">
+<p:tagLst xmlns:p="http://schemas.openxmlformats.org/presentationml/2006/main">
   <p:tag name="KSO_WM_TAG_VERSION" val="1.0"/>
   <p:tag name="KSO_WM_TEMPLATE_CATEGORY" val="custom"/>
   <p:tag name="KSO_WM_TEMPLATE_INDEX" val="20184553"/>
@@ -3824,15 +3670,21 @@
 </file>
 
 <file path=ppt/tags/tag10.xml><?xml version="1.0" encoding="utf-8"?>
-<p:tagLst xmlns:a="http://schemas.openxmlformats.org/drawingml/2006/main" xmlns:r="http://schemas.openxmlformats.org/officeDocument/2006/relationships" xmlns:p="http://schemas.openxmlformats.org/presentationml/2006/main">
+<p:tagLst xmlns:p="http://schemas.openxmlformats.org/presentationml/2006/main">
   <p:tag name="KSO_WM_BEAUTIFY_FLAG" val="#wm#"/>
   <p:tag name="KSO_WM_TEMPLATE_CATEGORY" val="custom"/>
   <p:tag name="KSO_WM_TEMPLATE_INDEX" val="20184553"/>
 </p:tagLst>
 </file>
 
+<file path=ppt/tags/tag11.xml><?xml version="1.0" encoding="utf-8"?>
+<p:tagLst xmlns:p="http://schemas.openxmlformats.org/presentationml/2006/main">
+  <p:tag name="KSO_WM_DOC_GUID" val="{a56b53a6-2509-45c5-80ce-3a906f91f248}"/>
+</p:tagLst>
+</file>
+
 <file path=ppt/tags/tag2.xml><?xml version="1.0" encoding="utf-8"?>
-<p:tagLst xmlns:a="http://schemas.openxmlformats.org/drawingml/2006/main" xmlns:r="http://schemas.openxmlformats.org/officeDocument/2006/relationships" xmlns:p="http://schemas.openxmlformats.org/presentationml/2006/main">
+<p:tagLst xmlns:p="http://schemas.openxmlformats.org/presentationml/2006/main">
   <p:tag name="KSO_WM_TAG_VERSION" val="1.0"/>
   <p:tag name="KSO_WM_TEMPLATE_CATEGORY" val="custom"/>
   <p:tag name="KSO_WM_TEMPLATE_INDEX" val="20184553"/>
@@ -3840,7 +3692,7 @@
 </file>
 
 <file path=ppt/tags/tag3.xml><?xml version="1.0" encoding="utf-8"?>
-<p:tagLst xmlns:a="http://schemas.openxmlformats.org/drawingml/2006/main" xmlns:r="http://schemas.openxmlformats.org/officeDocument/2006/relationships" xmlns:p="http://schemas.openxmlformats.org/presentationml/2006/main">
+<p:tagLst xmlns:p="http://schemas.openxmlformats.org/presentationml/2006/main">
   <p:tag name="KSO_WM_TEMPLATE_TOPIC_DEFAULT" val="1"/>
   <p:tag name="KSO_WM_TEMPLATE_JOB_ID" val="2"/>
   <p:tag name="KSO_WM_TEMPLATE_SCENE_ID" val="1"/>
@@ -3855,7 +3707,45 @@
 </file>
 
 <file path=ppt/tags/tag4.xml><?xml version="1.0" encoding="utf-8"?>
-<p:tagLst xmlns:a="http://schemas.openxmlformats.org/drawingml/2006/main" xmlns:r="http://schemas.openxmlformats.org/officeDocument/2006/relationships" xmlns:p="http://schemas.openxmlformats.org/presentationml/2006/main">
+<p:tagLst xmlns:p="http://schemas.openxmlformats.org/presentationml/2006/main">
+  <p:tag name="KSO_WM_TEMPLATE_CATEGORY" val="custom"/>
+  <p:tag name="KSO_WM_TEMPLATE_INDEX" val="20184553"/>
+  <p:tag name="KSO_WM_UNIT_CLEAR" val="0"/>
+  <p:tag name="KSO_WM_UNIT_COMPATIBLE" val="0"/>
+  <p:tag name="KSO_WM_UNIT_HIGHLIGHT" val="0"/>
+  <p:tag name="KSO_WM_UNIT_ISCONTENTSTITLE" val="0"/>
+  <p:tag name="KSO_WM_UNIT_VALUE" val="20"/>
+  <p:tag name="KSO_WM_UNIT_LAYERLEVEL" val="1"/>
+  <p:tag name="KSO_WM_UNIT_INDEX" val="1"/>
+  <p:tag name="KSO_WM_UNIT_ID" val="custom20184553_1*a*1"/>
+  <p:tag name="KSO_WM_UNIT_TYPE" val="a"/>
+  <p:tag name="KSO_WM_BEAUTIFY_FLAG" val="#wm#"/>
+  <p:tag name="KSO_WM_TAG_VERSION" val="1.0"/>
+  <p:tag name="KSO_WM_UNIT_PRESET_TEXT" val="白色通用"/>
+</p:tagLst>
+</file>
+
+<file path=ppt/tags/tag5.xml><?xml version="1.0" encoding="utf-8"?>
+<p:tagLst xmlns:p="http://schemas.openxmlformats.org/presentationml/2006/main">
+  <p:tag name="KSO_WM_TEMPLATE_CATEGORY" val="custom"/>
+  <p:tag name="KSO_WM_TEMPLATE_INDEX" val="20184553"/>
+  <p:tag name="KSO_WM_UNIT_CLEAR" val="0"/>
+  <p:tag name="KSO_WM_UNIT_COMPATIBLE" val="0"/>
+  <p:tag name="KSO_WM_UNIT_HIGHLIGHT" val="0"/>
+  <p:tag name="KSO_WM_UNIT_ISCONTENTSTITLE" val="0"/>
+  <p:tag name="KSO_WM_UNIT_VALUE" val="234"/>
+  <p:tag name="KSO_WM_UNIT_LAYERLEVEL" val="1"/>
+  <p:tag name="KSO_WM_UNIT_INDEX" val="1"/>
+  <p:tag name="KSO_WM_UNIT_ID" val="custom20184553_1*b*1"/>
+  <p:tag name="KSO_WM_UNIT_TYPE" val="b"/>
+  <p:tag name="KSO_WM_BEAUTIFY_FLAG" val="#wm#"/>
+  <p:tag name="KSO_WM_TAG_VERSION" val="1.0"/>
+  <p:tag name="KSO_WM_UNIT_PRESET_TEXT" val="Lorem ipsum dolor sit amet, consectetur adipisicing elit."/>
+</p:tagLst>
+</file>
+
+<file path=ppt/tags/tag6.xml><?xml version="1.0" encoding="utf-8"?>
+<p:tagLst xmlns:p="http://schemas.openxmlformats.org/presentationml/2006/main">
   <p:tag name="KSO_WM_SLIDE_SUBTYPE" val="pureTxt"/>
   <p:tag name="KSO_WM_TEMPLATE_TOPIC_DEFAULT" val="1"/>
   <p:tag name="KSO_WM_TEMPLATE_JOB_ID" val="2"/>
@@ -3878,46 +3768,8 @@
 </p:tagLst>
 </file>
 
-<file path=ppt/tags/tag5.xml><?xml version="1.0" encoding="utf-8"?>
-<p:tagLst xmlns:a="http://schemas.openxmlformats.org/drawingml/2006/main" xmlns:r="http://schemas.openxmlformats.org/officeDocument/2006/relationships" xmlns:p="http://schemas.openxmlformats.org/presentationml/2006/main">
-  <p:tag name="KSO_WM_TEMPLATE_CATEGORY" val="custom"/>
-  <p:tag name="KSO_WM_TEMPLATE_INDEX" val="20184553"/>
-  <p:tag name="KSO_WM_UNIT_CLEAR" val="0"/>
-  <p:tag name="KSO_WM_UNIT_COMPATIBLE" val="0"/>
-  <p:tag name="KSO_WM_UNIT_HIGHLIGHT" val="0"/>
-  <p:tag name="KSO_WM_UNIT_ISCONTENTSTITLE" val="0"/>
-  <p:tag name="KSO_WM_UNIT_VALUE" val="20"/>
-  <p:tag name="KSO_WM_UNIT_LAYERLEVEL" val="1"/>
-  <p:tag name="KSO_WM_UNIT_INDEX" val="1"/>
-  <p:tag name="KSO_WM_UNIT_ID" val="custom20184553_1*a*1"/>
-  <p:tag name="KSO_WM_UNIT_TYPE" val="a"/>
-  <p:tag name="KSO_WM_BEAUTIFY_FLAG" val="#wm#"/>
-  <p:tag name="KSO_WM_TAG_VERSION" val="1.0"/>
-  <p:tag name="KSO_WM_UNIT_PRESET_TEXT" val="白色通用"/>
-</p:tagLst>
-</file>
-
-<file path=ppt/tags/tag6.xml><?xml version="1.0" encoding="utf-8"?>
-<p:tagLst xmlns:a="http://schemas.openxmlformats.org/drawingml/2006/main" xmlns:r="http://schemas.openxmlformats.org/officeDocument/2006/relationships" xmlns:p="http://schemas.openxmlformats.org/presentationml/2006/main">
-  <p:tag name="KSO_WM_TEMPLATE_CATEGORY" val="custom"/>
-  <p:tag name="KSO_WM_TEMPLATE_INDEX" val="20184553"/>
-  <p:tag name="KSO_WM_UNIT_CLEAR" val="0"/>
-  <p:tag name="KSO_WM_UNIT_COMPATIBLE" val="0"/>
-  <p:tag name="KSO_WM_UNIT_HIGHLIGHT" val="0"/>
-  <p:tag name="KSO_WM_UNIT_ISCONTENTSTITLE" val="0"/>
-  <p:tag name="KSO_WM_UNIT_VALUE" val="234"/>
-  <p:tag name="KSO_WM_UNIT_LAYERLEVEL" val="1"/>
-  <p:tag name="KSO_WM_UNIT_INDEX" val="1"/>
-  <p:tag name="KSO_WM_UNIT_ID" val="custom20184553_1*b*1"/>
-  <p:tag name="KSO_WM_UNIT_TYPE" val="b"/>
-  <p:tag name="KSO_WM_BEAUTIFY_FLAG" val="#wm#"/>
-  <p:tag name="KSO_WM_TAG_VERSION" val="1.0"/>
-  <p:tag name="KSO_WM_UNIT_PRESET_TEXT" val="Lorem ipsum dolor sit amet, consectetur adipisicing elit."/>
-</p:tagLst>
-</file>
-
 <file path=ppt/tags/tag7.xml><?xml version="1.0" encoding="utf-8"?>
-<p:tagLst xmlns:a="http://schemas.openxmlformats.org/drawingml/2006/main" xmlns:r="http://schemas.openxmlformats.org/officeDocument/2006/relationships" xmlns:p="http://schemas.openxmlformats.org/presentationml/2006/main">
+<p:tagLst xmlns:p="http://schemas.openxmlformats.org/presentationml/2006/main">
   <p:tag name="KSO_WM_BEAUTIFY_FLAG" val="#wm#"/>
   <p:tag name="KSO_WM_TEMPLATE_CATEGORY" val="custom"/>
   <p:tag name="KSO_WM_TEMPLATE_INDEX" val="20184553"/>
@@ -3925,7 +3777,7 @@
 </file>
 
 <file path=ppt/tags/tag8.xml><?xml version="1.0" encoding="utf-8"?>
-<p:tagLst xmlns:a="http://schemas.openxmlformats.org/drawingml/2006/main" xmlns:r="http://schemas.openxmlformats.org/officeDocument/2006/relationships" xmlns:p="http://schemas.openxmlformats.org/presentationml/2006/main">
+<p:tagLst xmlns:p="http://schemas.openxmlformats.org/presentationml/2006/main">
   <p:tag name="KSO_WM_BEAUTIFY_FLAG" val="#wm#"/>
   <p:tag name="KSO_WM_TEMPLATE_CATEGORY" val="custom"/>
   <p:tag name="KSO_WM_TEMPLATE_INDEX" val="20184553"/>
@@ -3933,7 +3785,7 @@
 </file>
 
 <file path=ppt/tags/tag9.xml><?xml version="1.0" encoding="utf-8"?>
-<p:tagLst xmlns:a="http://schemas.openxmlformats.org/drawingml/2006/main" xmlns:r="http://schemas.openxmlformats.org/officeDocument/2006/relationships" xmlns:p="http://schemas.openxmlformats.org/presentationml/2006/main">
+<p:tagLst xmlns:p="http://schemas.openxmlformats.org/presentationml/2006/main">
   <p:tag name="KSO_WM_BEAUTIFY_FLAG" val="#wm#"/>
   <p:tag name="KSO_WM_TEMPLATE_CATEGORY" val="custom"/>
   <p:tag name="KSO_WM_TEMPLATE_INDEX" val="20184553"/>
@@ -4131,8 +3983,6 @@
       </a:bgFillStyleLst>
     </a:fmtScheme>
   </a:themeElements>
-  <a:objectDefaults/>
-  <a:extraClrSchemeLst/>
   <a:extLst>
     <a:ext uri="{05A4C25C-085E-4340-85A3-A5531E510DB2}">
       <thm15:themeFamily xmlns:thm15="http://schemas.microsoft.com/office/thememl/2012/main" name="Office Theme" id="{62F939B6-93AF-4DB8-9C6B-D6C7DFDC589F}" vid="{4A3C46E8-61CC-4603-A589-7422A47A8E4A}"/>
@@ -4392,8 +4242,6 @@
       </a:bgFillStyleLst>
     </a:fmtScheme>
   </a:themeElements>
-  <a:objectDefaults/>
-  <a:extraClrSchemeLst/>
   <a:extLst>
     <a:ext uri="{05A4C25C-085E-4340-85A3-A5531E510DB2}">
       <thm15:themeFamily xmlns:thm15="http://schemas.microsoft.com/office/thememl/2012/main" name="Office Theme" id="{62F939B6-93AF-4DB8-9C6B-D6C7DFDC589F}" vid="{4A3C46E8-61CC-4603-A589-7422A47A8E4A}"/>
